--- a/Pre-FinalPRE/Musier_ver.pptx
+++ b/Pre-FinalPRE/Musier_ver.pptx
@@ -8346,17 +8346,6 @@
               </a:rPr>
               <a:t>Thanks all for listening!</a:t>
             </a:r>
-            <a:endParaRPr lang="en-US" altLang="zh-CN" sz="4000" b="1" smtClean="0">
-              <a:solidFill>
-                <a:schemeClr val="tx1">
-                  <a:lumMod val="65000"/>
-                  <a:lumOff val="35000"/>
-                </a:schemeClr>
-              </a:solidFill>
-              <a:latin typeface="Goudy Old Style" panose="02020502050305020303" pitchFamily="18" charset="0"/>
-              <a:ea typeface="微软雅黑" pitchFamily="34" charset="-122"/>
-              <a:cs typeface="宋体" charset="-122"/>
-            </a:endParaRPr>
           </a:p>
         </p:txBody>
       </p:sp>
@@ -8409,7 +8398,7 @@
           <p:nvPr/>
         </p:nvPicPr>
         <p:blipFill>
-          <a:blip r:embed="rId17" cstate="print"/>
+          <a:blip r:embed="rId19" cstate="print"/>
           <a:srcRect/>
           <a:stretch>
             <a:fillRect/>
@@ -10243,7 +10232,7 @@
       </p:sp>
       <p:pic>
         <p:nvPicPr>
-          <p:cNvPr id="2" name="perfect">
+          <p:cNvPr id="3" name="2">
             <a:hlinkClick r:id="" action="ppaction://media"/>
           </p:cNvPr>
           <p:cNvPicPr>
@@ -10259,23 +10248,62 @@
           </p:nvPr>
         </p:nvPicPr>
         <p:blipFill>
-          <a:blip r:embed="rId18"/>
+          <a:blip r:embed="rId20"/>
           <a:stretch>
             <a:fillRect/>
           </a:stretch>
         </p:blipFill>
         <p:spPr>
           <a:xfrm>
-            <a:off x="8184046" y="4296448"/>
+            <a:off x="8256054" y="4317311"/>
             <a:ext cx="304800" cy="304800"/>
           </a:xfrm>
           <a:prstGeom prst="rect">
             <a:avLst/>
           </a:prstGeom>
-          <a:noFill/>
           <a:ln w="25400">
             <a:solidFill>
-              <a:schemeClr val="accent3"/>
+              <a:schemeClr val="accent1"/>
+            </a:solidFill>
+          </a:ln>
+        </p:spPr>
+      </p:pic>
+      <p:pic>
+        <p:nvPicPr>
+          <p:cNvPr id="4" name="3">
+            <a:hlinkClick r:id="" action="ppaction://media"/>
+          </p:cNvPr>
+          <p:cNvPicPr>
+            <a:picLocks noChangeAspect="1"/>
+          </p:cNvPicPr>
+          <p:nvPr>
+            <a:audioFile r:link="rId16"/>
+            <p:extLst>
+              <p:ext uri="{DAA4B4D4-6D71-4841-9C94-3DE7FCFB9230}">
+                <p14:media xmlns:p14="http://schemas.microsoft.com/office/powerpoint/2010/main" r:embed="rId15"/>
+              </p:ext>
+            </p:extLst>
+          </p:nvPr>
+        </p:nvPicPr>
+        <p:blipFill>
+          <a:blip r:embed="rId20"/>
+          <a:stretch>
+            <a:fillRect/>
+          </a:stretch>
+        </p:blipFill>
+        <p:spPr>
+          <a:xfrm>
+            <a:off x="7844840" y="4317311"/>
+            <a:ext cx="304800" cy="304800"/>
+          </a:xfrm>
+          <a:prstGeom prst="rect">
+            <a:avLst/>
+          </a:prstGeom>
+          <a:ln w="25400">
+            <a:solidFill>
+              <a:schemeClr val="accent3">
+                <a:lumMod val="50000"/>
+              </a:schemeClr>
             </a:solidFill>
           </a:ln>
         </p:spPr>
@@ -10376,7 +10404,7 @@
                 <p:stCondLst>
                   <p:cond evt="onClick" delay="0">
                     <p:tgtEl>
-                      <p:spTgt spid="2"/>
+                      <p:spTgt spid="3"/>
                     </p:tgtEl>
                   </p:cond>
                 </p:stCondLst>
@@ -10404,9 +10432,9 @@
                                   <p:childTnLst>
                                     <p:cmd type="call" cmd="playFrom(0.0)">
                                       <p:cBhvr>
-                                        <p:cTn id="12" dur="20000" fill="hold"/>
+                                        <p:cTn id="12" dur="19252" fill="hold"/>
                                         <p:tgtEl>
-                                          <p:spTgt spid="2"/>
+                                          <p:spTgt spid="3"/>
                                         </p:tgtEl>
                                       </p:cBhvr>
                                     </p:cmd>
@@ -10424,7 +10452,7 @@
               <p:nextCondLst>
                 <p:cond evt="onClick" delay="0">
                   <p:tgtEl>
-                    <p:spTgt spid="2"/>
+                    <p:spTgt spid="3"/>
                   </p:tgtEl>
                 </p:cond>
               </p:nextCondLst>
@@ -10444,7 +10472,84 @@
                   </p:endCondLst>
                 </p:cTn>
                 <p:tgtEl>
-                  <p:spTgt spid="2"/>
+                  <p:spTgt spid="3"/>
+                </p:tgtEl>
+              </p:cMediaNode>
+            </p:audio>
+            <p:seq concurrent="1" nextAc="seek">
+              <p:cTn id="14" restart="whenNotActive" fill="hold" evtFilter="cancelBubble" nodeType="interactiveSeq">
+                <p:stCondLst>
+                  <p:cond evt="onClick" delay="0">
+                    <p:tgtEl>
+                      <p:spTgt spid="4"/>
+                    </p:tgtEl>
+                  </p:cond>
+                </p:stCondLst>
+                <p:endSync evt="end" delay="0">
+                  <p:rtn val="all"/>
+                </p:endSync>
+                <p:childTnLst>
+                  <p:par>
+                    <p:cTn id="15" fill="hold">
+                      <p:stCondLst>
+                        <p:cond delay="0"/>
+                      </p:stCondLst>
+                      <p:childTnLst>
+                        <p:par>
+                          <p:cTn id="16" fill="hold">
+                            <p:stCondLst>
+                              <p:cond delay="0"/>
+                            </p:stCondLst>
+                            <p:childTnLst>
+                              <p:par>
+                                <p:cTn id="17" presetID="1" presetClass="mediacall" presetSubtype="0" fill="hold" nodeType="clickEffect">
+                                  <p:stCondLst>
+                                    <p:cond delay="0"/>
+                                  </p:stCondLst>
+                                  <p:childTnLst>
+                                    <p:cmd type="call" cmd="playFrom(0.0)">
+                                      <p:cBhvr>
+                                        <p:cTn id="18" dur="19252" fill="hold"/>
+                                        <p:tgtEl>
+                                          <p:spTgt spid="4"/>
+                                        </p:tgtEl>
+                                      </p:cBhvr>
+                                    </p:cmd>
+                                  </p:childTnLst>
+                                </p:cTn>
+                              </p:par>
+                            </p:childTnLst>
+                          </p:cTn>
+                        </p:par>
+                      </p:childTnLst>
+                    </p:cTn>
+                  </p:par>
+                </p:childTnLst>
+              </p:cTn>
+              <p:nextCondLst>
+                <p:cond evt="onClick" delay="0">
+                  <p:tgtEl>
+                    <p:spTgt spid="4"/>
+                  </p:tgtEl>
+                </p:cond>
+              </p:nextCondLst>
+            </p:seq>
+            <p:audio>
+              <p:cMediaNode vol="80000">
+                <p:cTn id="19" fill="hold" display="0">
+                  <p:stCondLst>
+                    <p:cond delay="indefinite"/>
+                  </p:stCondLst>
+                  <p:endCondLst>
+                    <p:cond evt="onStopAudio" delay="0">
+                      <p:tgtEl>
+                        <p:sldTgt/>
+                      </p:tgtEl>
+                    </p:cond>
+                  </p:endCondLst>
+                </p:cTn>
+                <p:tgtEl>
+                  <p:spTgt spid="4"/>
                 </p:tgtEl>
               </p:cMediaNode>
             </p:audio>
